--- a/Proyecto Alfabeto.pptx
+++ b/Proyecto Alfabeto.pptx
@@ -17,7 +17,8 @@
     <p:sldId id="265" r:id="rId11"/>
     <p:sldId id="266" r:id="rId12"/>
     <p:sldId id="268" r:id="rId13"/>
-    <p:sldId id="267" r:id="rId14"/>
+    <p:sldId id="269" r:id="rId14"/>
+    <p:sldId id="267" r:id="rId15"/>
   </p:sldIdLst>
   <p:sldSz cx="12192000" cy="6858000"/>
   <p:notesSz cx="6858000" cy="9144000"/>
@@ -116,6 +117,11 @@
       </a:defRPr>
     </a:lvl9pPr>
   </p:defaultTextStyle>
+  <p:extLst>
+    <p:ext uri="{EFAFB233-063F-42B5-8137-9DF3F51BA10A}">
+      <p15:sldGuideLst xmlns:p15="http://schemas.microsoft.com/office/powerpoint/2012/main"/>
+    </p:ext>
+  </p:extLst>
 </p:presentation>
 </file>
 
@@ -307,7 +313,7 @@
           <a:p>
             <a:fld id="{0CDB6688-6C60-432F-870A-AF8058C911E7}" type="datetimeFigureOut">
               <a:rPr lang="es-ES" smtClean="0"/>
-              <a:t>07/01/2019</a:t>
+              <a:t>08/01/2019</a:t>
             </a:fld>
             <a:endParaRPr lang="es-ES"/>
           </a:p>
@@ -645,7 +651,7 @@
           <a:p>
             <a:fld id="{0CDB6688-6C60-432F-870A-AF8058C911E7}" type="datetimeFigureOut">
               <a:rPr lang="es-ES" smtClean="0"/>
-              <a:t>07/01/2019</a:t>
+              <a:t>08/01/2019</a:t>
             </a:fld>
             <a:endParaRPr lang="es-ES"/>
           </a:p>
@@ -1046,7 +1052,7 @@
           <a:p>
             <a:fld id="{0CDB6688-6C60-432F-870A-AF8058C911E7}" type="datetimeFigureOut">
               <a:rPr lang="es-ES" smtClean="0"/>
-              <a:t>07/01/2019</a:t>
+              <a:t>08/01/2019</a:t>
             </a:fld>
             <a:endParaRPr lang="es-ES"/>
           </a:p>
@@ -1382,7 +1388,7 @@
           <a:p>
             <a:fld id="{0CDB6688-6C60-432F-870A-AF8058C911E7}" type="datetimeFigureOut">
               <a:rPr lang="es-ES" smtClean="0"/>
-              <a:t>07/01/2019</a:t>
+              <a:t>08/01/2019</a:t>
             </a:fld>
             <a:endParaRPr lang="es-ES"/>
           </a:p>
@@ -1702,7 +1708,7 @@
           <a:p>
             <a:fld id="{0CDB6688-6C60-432F-870A-AF8058C911E7}" type="datetimeFigureOut">
               <a:rPr lang="es-ES" smtClean="0"/>
-              <a:t>07/01/2019</a:t>
+              <a:t>08/01/2019</a:t>
             </a:fld>
             <a:endParaRPr lang="es-ES"/>
           </a:p>
@@ -2098,7 +2104,7 @@
           <a:p>
             <a:fld id="{0CDB6688-6C60-432F-870A-AF8058C911E7}" type="datetimeFigureOut">
               <a:rPr lang="es-ES" smtClean="0"/>
-              <a:t>07/01/2019</a:t>
+              <a:t>08/01/2019</a:t>
             </a:fld>
             <a:endParaRPr lang="es-ES"/>
           </a:p>
@@ -2355,7 +2361,7 @@
           <a:p>
             <a:fld id="{0CDB6688-6C60-432F-870A-AF8058C911E7}" type="datetimeFigureOut">
               <a:rPr lang="es-ES" smtClean="0"/>
-              <a:t>07/01/2019</a:t>
+              <a:t>08/01/2019</a:t>
             </a:fld>
             <a:endParaRPr lang="es-ES"/>
           </a:p>
@@ -2617,7 +2623,7 @@
           <a:p>
             <a:fld id="{0CDB6688-6C60-432F-870A-AF8058C911E7}" type="datetimeFigureOut">
               <a:rPr lang="es-ES" smtClean="0"/>
-              <a:t>07/01/2019</a:t>
+              <a:t>08/01/2019</a:t>
             </a:fld>
             <a:endParaRPr lang="es-ES"/>
           </a:p>
@@ -2879,7 +2885,7 @@
           <a:p>
             <a:fld id="{0CDB6688-6C60-432F-870A-AF8058C911E7}" type="datetimeFigureOut">
               <a:rPr lang="es-ES" smtClean="0"/>
-              <a:t>07/01/2019</a:t>
+              <a:t>08/01/2019</a:t>
             </a:fld>
             <a:endParaRPr lang="es-ES"/>
           </a:p>
@@ -3208,7 +3214,7 @@
           <a:p>
             <a:fld id="{0CDB6688-6C60-432F-870A-AF8058C911E7}" type="datetimeFigureOut">
               <a:rPr lang="es-ES" smtClean="0"/>
-              <a:t>07/01/2019</a:t>
+              <a:t>08/01/2019</a:t>
             </a:fld>
             <a:endParaRPr lang="es-ES"/>
           </a:p>
@@ -3531,7 +3537,7 @@
           <a:p>
             <a:fld id="{0CDB6688-6C60-432F-870A-AF8058C911E7}" type="datetimeFigureOut">
               <a:rPr lang="es-ES" smtClean="0"/>
-              <a:t>07/01/2019</a:t>
+              <a:t>08/01/2019</a:t>
             </a:fld>
             <a:endParaRPr lang="es-ES"/>
           </a:p>
@@ -3988,7 +3994,7 @@
           <a:p>
             <a:fld id="{0CDB6688-6C60-432F-870A-AF8058C911E7}" type="datetimeFigureOut">
               <a:rPr lang="es-ES" smtClean="0"/>
-              <a:t>07/01/2019</a:t>
+              <a:t>08/01/2019</a:t>
             </a:fld>
             <a:endParaRPr lang="es-ES"/>
           </a:p>
@@ -4193,7 +4199,7 @@
           <a:p>
             <a:fld id="{0CDB6688-6C60-432F-870A-AF8058C911E7}" type="datetimeFigureOut">
               <a:rPr lang="es-ES" smtClean="0"/>
-              <a:t>07/01/2019</a:t>
+              <a:t>08/01/2019</a:t>
             </a:fld>
             <a:endParaRPr lang="es-ES"/>
           </a:p>
@@ -4370,7 +4376,7 @@
           <a:p>
             <a:fld id="{0CDB6688-6C60-432F-870A-AF8058C911E7}" type="datetimeFigureOut">
               <a:rPr lang="es-ES" smtClean="0"/>
-              <a:t>07/01/2019</a:t>
+              <a:t>08/01/2019</a:t>
             </a:fld>
             <a:endParaRPr lang="es-ES"/>
           </a:p>
@@ -4703,7 +4709,7 @@
           <a:p>
             <a:fld id="{0CDB6688-6C60-432F-870A-AF8058C911E7}" type="datetimeFigureOut">
               <a:rPr lang="es-ES" smtClean="0"/>
-              <a:t>07/01/2019</a:t>
+              <a:t>08/01/2019</a:t>
             </a:fld>
             <a:endParaRPr lang="es-ES"/>
           </a:p>
@@ -5048,7 +5054,7 @@
           <a:p>
             <a:fld id="{0CDB6688-6C60-432F-870A-AF8058C911E7}" type="datetimeFigureOut">
               <a:rPr lang="es-ES" smtClean="0"/>
-              <a:t>07/01/2019</a:t>
+              <a:t>08/01/2019</a:t>
             </a:fld>
             <a:endParaRPr lang="es-ES"/>
           </a:p>
@@ -7165,7 +7171,7 @@
           <a:p>
             <a:fld id="{0CDB6688-6C60-432F-870A-AF8058C911E7}" type="datetimeFigureOut">
               <a:rPr lang="es-ES" smtClean="0"/>
-              <a:t>07/01/2019</a:t>
+              <a:t>08/01/2019</a:t>
             </a:fld>
             <a:endParaRPr lang="es-ES"/>
           </a:p>
@@ -8323,16 +8329,12 @@
               <a:t>Random</a:t>
             </a:r>
             <a:r>
+              <a:rPr lang="es-ES"/>
+              <a:t> Forest </a:t>
+            </a:r>
+            <a:r>
               <a:rPr lang="es-ES" dirty="0"/>
-              <a:t> </a:t>
-            </a:r>
-            <a:r>
-              <a:rPr lang="es-ES" dirty="0" err="1"/>
-              <a:t>Fores</a:t>
-            </a:r>
-            <a:r>
-              <a:rPr lang="es-ES" dirty="0"/>
-              <a:t> es el más eficiente</a:t>
+              <a:t>es el más eficiente</a:t>
             </a:r>
           </a:p>
         </p:txBody>
@@ -8431,6 +8433,146 @@
 </file>
 
 <file path=ppt/slides/slide13.xml><?xml version="1.0" encoding="utf-8"?>
+<p:sld xmlns:a="http://schemas.openxmlformats.org/drawingml/2006/main" xmlns:r="http://schemas.openxmlformats.org/officeDocument/2006/relationships" xmlns:p="http://schemas.openxmlformats.org/presentationml/2006/main">
+  <p:cSld>
+    <p:spTree>
+      <p:nvGrpSpPr>
+        <p:cNvPr id="1" name=""/>
+        <p:cNvGrpSpPr/>
+        <p:nvPr/>
+      </p:nvGrpSpPr>
+      <p:grpSpPr>
+        <a:xfrm>
+          <a:off x="0" y="0"/>
+          <a:ext cx="0" cy="0"/>
+          <a:chOff x="0" y="0"/>
+          <a:chExt cx="0" cy="0"/>
+        </a:xfrm>
+      </p:grpSpPr>
+      <p:sp>
+        <p:nvSpPr>
+          <p:cNvPr id="2" name="Título 1">
+            <a:extLst>
+              <a:ext uri="{FF2B5EF4-FFF2-40B4-BE49-F238E27FC236}">
+                <a16:creationId xmlns:a16="http://schemas.microsoft.com/office/drawing/2014/main" id="{A0D5EA7F-FDCB-4E08-8882-6139D9FAB593}"/>
+              </a:ext>
+            </a:extLst>
+          </p:cNvPr>
+          <p:cNvSpPr>
+            <a:spLocks noGrp="1"/>
+          </p:cNvSpPr>
+          <p:nvPr>
+            <p:ph type="title"/>
+          </p:nvPr>
+        </p:nvSpPr>
+        <p:spPr/>
+        <p:txBody>
+          <a:bodyPr/>
+          <a:lstStyle/>
+          <a:p>
+            <a:r>
+              <a:rPr lang="es-ES" dirty="0"/>
+              <a:t>Atributos vs Tiempo de clasificación</a:t>
+            </a:r>
+          </a:p>
+        </p:txBody>
+      </p:sp>
+      <p:sp>
+        <p:nvSpPr>
+          <p:cNvPr id="3" name="Marcador de contenido 2">
+            <a:extLst>
+              <a:ext uri="{FF2B5EF4-FFF2-40B4-BE49-F238E27FC236}">
+                <a16:creationId xmlns:a16="http://schemas.microsoft.com/office/drawing/2014/main" id="{B7A63C57-A4CD-4E92-9748-3B3704CB3C66}"/>
+              </a:ext>
+            </a:extLst>
+          </p:cNvPr>
+          <p:cNvSpPr>
+            <a:spLocks noGrp="1"/>
+          </p:cNvSpPr>
+          <p:nvPr>
+            <p:ph idx="1"/>
+          </p:nvPr>
+        </p:nvSpPr>
+        <p:spPr>
+          <a:xfrm>
+            <a:off x="1638299" y="5143821"/>
+            <a:ext cx="8915400" cy="1196609"/>
+          </a:xfrm>
+        </p:spPr>
+        <p:txBody>
+          <a:bodyPr>
+            <a:normAutofit fontScale="92500"/>
+          </a:bodyPr>
+          <a:lstStyle/>
+          <a:p>
+            <a:r>
+              <a:rPr lang="es-ES" dirty="0"/>
+              <a:t>En caso de tener tiempo ilimitado siempre escogeremos a SVC ante KNN dado que SVC tiene menor tiempo de clasificación y mayor tasa de acierto</a:t>
+            </a:r>
+          </a:p>
+          <a:p>
+            <a:r>
+              <a:rPr lang="es-ES" dirty="0"/>
+              <a:t>En limitaciones de tiempo siempre escogeremos </a:t>
+            </a:r>
+            <a:r>
+              <a:rPr lang="es-ES" dirty="0" err="1"/>
+              <a:t>RandomForest</a:t>
+            </a:r>
+            <a:endParaRPr lang="es-ES" dirty="0"/>
+          </a:p>
+        </p:txBody>
+      </p:sp>
+      <p:pic>
+        <p:nvPicPr>
+          <p:cNvPr id="5" name="Imagen 4">
+            <a:extLst>
+              <a:ext uri="{FF2B5EF4-FFF2-40B4-BE49-F238E27FC236}">
+                <a16:creationId xmlns:a16="http://schemas.microsoft.com/office/drawing/2014/main" id="{CB07715B-EEA7-494C-B80B-A8DFF3DFFAD5}"/>
+              </a:ext>
+            </a:extLst>
+          </p:cNvPr>
+          <p:cNvPicPr>
+            <a:picLocks noChangeAspect="1"/>
+          </p:cNvPicPr>
+          <p:nvPr/>
+        </p:nvPicPr>
+        <p:blipFill>
+          <a:blip r:embed="rId2">
+            <a:extLst>
+              <a:ext uri="{28A0092B-C50C-407E-A947-70E740481C1C}">
+                <a14:useLocalDpi xmlns:a14="http://schemas.microsoft.com/office/drawing/2010/main" val="0"/>
+              </a:ext>
+            </a:extLst>
+          </a:blip>
+          <a:stretch>
+            <a:fillRect/>
+          </a:stretch>
+        </p:blipFill>
+        <p:spPr>
+          <a:xfrm>
+            <a:off x="3895837" y="1414369"/>
+            <a:ext cx="4400325" cy="3300243"/>
+          </a:xfrm>
+          <a:prstGeom prst="rect">
+            <a:avLst/>
+          </a:prstGeom>
+        </p:spPr>
+      </p:pic>
+    </p:spTree>
+    <p:extLst>
+      <p:ext uri="{BB962C8B-B14F-4D97-AF65-F5344CB8AC3E}">
+        <p14:creationId xmlns:p14="http://schemas.microsoft.com/office/powerpoint/2010/main" val="3767432307"/>
+      </p:ext>
+    </p:extLst>
+  </p:cSld>
+  <p:clrMapOvr>
+    <a:masterClrMapping/>
+  </p:clrMapOvr>
+</p:sld>
+</file>
+
+<file path=ppt/slides/slide14.xml><?xml version="1.0" encoding="utf-8"?>
 <p:sld xmlns:a="http://schemas.openxmlformats.org/drawingml/2006/main" xmlns:r="http://schemas.openxmlformats.org/officeDocument/2006/relationships" xmlns:p="http://schemas.openxmlformats.org/presentationml/2006/main">
   <p:cSld>
     <p:spTree>

--- a/Proyecto Alfabeto.pptx
+++ b/Proyecto Alfabeto.pptx
@@ -10,15 +10,16 @@
     <p:sldId id="258" r:id="rId4"/>
     <p:sldId id="259" r:id="rId5"/>
     <p:sldId id="260" r:id="rId6"/>
-    <p:sldId id="263" r:id="rId7"/>
-    <p:sldId id="261" r:id="rId8"/>
+    <p:sldId id="261" r:id="rId7"/>
+    <p:sldId id="263" r:id="rId8"/>
     <p:sldId id="262" r:id="rId9"/>
     <p:sldId id="264" r:id="rId10"/>
     <p:sldId id="265" r:id="rId11"/>
-    <p:sldId id="266" r:id="rId12"/>
-    <p:sldId id="268" r:id="rId13"/>
-    <p:sldId id="269" r:id="rId14"/>
-    <p:sldId id="267" r:id="rId15"/>
+    <p:sldId id="270" r:id="rId12"/>
+    <p:sldId id="266" r:id="rId13"/>
+    <p:sldId id="268" r:id="rId14"/>
+    <p:sldId id="269" r:id="rId15"/>
+    <p:sldId id="267" r:id="rId16"/>
   </p:sldIdLst>
   <p:sldSz cx="12192000" cy="6858000"/>
   <p:notesSz cx="6858000" cy="9144000"/>
@@ -7878,13 +7879,14 @@
         </p:spPr>
         <p:txBody>
           <a:bodyPr>
-            <a:normAutofit lnSpcReduction="10000"/>
+            <a:normAutofit/>
           </a:bodyPr>
           <a:lstStyle/>
           <a:p>
-            <a:r>
-              <a:rPr lang="es-ES" dirty="0" err="1"/>
-              <a:t>Scikit-learn</a:t>
+            <a:pPr lvl="1"/>
+            <a:r>
+              <a:rPr lang="es-ES" dirty="0" smtClean="0"/>
+              <a:t>Parámetros</a:t>
             </a:r>
             <a:r>
               <a:rPr lang="es-ES" dirty="0"/>
@@ -7892,13 +7894,6 @@
             </a:r>
           </a:p>
           <a:p>
-            <a:pPr lvl="1"/>
-            <a:r>
-              <a:rPr lang="es-ES" dirty="0"/>
-              <a:t>Parámetros:</a:t>
-            </a:r>
-          </a:p>
-          <a:p>
             <a:pPr lvl="2"/>
             <a:r>
               <a:rPr lang="es-ES" dirty="0"/>
@@ -7906,25 +7901,37 @@
             </a:r>
           </a:p>
           <a:p>
+            <a:pPr lvl="1"/>
+            <a:r>
+              <a:rPr lang="es-ES" dirty="0" smtClean="0"/>
+              <a:t>Atributos</a:t>
+            </a:r>
+            <a:r>
+              <a:rPr lang="es-ES" dirty="0"/>
+              <a:t>:</a:t>
+            </a:r>
+          </a:p>
+          <a:p>
             <a:pPr lvl="2"/>
+            <a:r>
+              <a:rPr lang="es-ES" dirty="0"/>
+              <a:t>Eliminación de columnas y filas poco </a:t>
+            </a:r>
+            <a:r>
+              <a:rPr lang="es-ES" dirty="0" smtClean="0"/>
+              <a:t>significativas</a:t>
+            </a:r>
+          </a:p>
+          <a:p>
+            <a:pPr lvl="1"/>
             <a:r>
               <a:rPr lang="es-ES" dirty="0"/>
               <a:t>Tasa de acierto: 94.39%</a:t>
             </a:r>
           </a:p>
           <a:p>
-            <a:pPr lvl="1"/>
-            <a:r>
-              <a:rPr lang="es-ES" dirty="0"/>
-              <a:t>Atributos:</a:t>
-            </a:r>
-          </a:p>
-          <a:p>
             <a:pPr lvl="2"/>
-            <a:r>
-              <a:rPr lang="es-ES" dirty="0"/>
-              <a:t>Eliminación de columnas y filas poco significativas</a:t>
-            </a:r>
+            <a:endParaRPr lang="es-ES" dirty="0"/>
           </a:p>
           <a:p>
             <a:endParaRPr lang="es-ES" dirty="0"/>
@@ -8127,6 +8134,100 @@
       </p:grpSpPr>
       <p:sp>
         <p:nvSpPr>
+          <p:cNvPr id="2" name="Título 1"/>
+          <p:cNvSpPr>
+            <a:spLocks noGrp="1"/>
+          </p:cNvSpPr>
+          <p:nvPr>
+            <p:ph type="title"/>
+          </p:nvPr>
+        </p:nvSpPr>
+        <p:spPr/>
+        <p:txBody>
+          <a:bodyPr/>
+          <a:lstStyle/>
+          <a:p>
+            <a:r>
+              <a:rPr lang="es-ES" dirty="0" smtClean="0"/>
+              <a:t>Análisis exploratorio</a:t>
+            </a:r>
+            <a:endParaRPr lang="es-ES" dirty="0"/>
+          </a:p>
+        </p:txBody>
+      </p:sp>
+      <p:sp>
+        <p:nvSpPr>
+          <p:cNvPr id="3" name="Marcador de contenido 2"/>
+          <p:cNvSpPr>
+            <a:spLocks noGrp="1"/>
+          </p:cNvSpPr>
+          <p:nvPr>
+            <p:ph idx="1"/>
+          </p:nvPr>
+        </p:nvSpPr>
+        <p:spPr/>
+        <p:txBody>
+          <a:bodyPr/>
+          <a:lstStyle/>
+          <a:p>
+            <a:r>
+              <a:rPr lang="es-ES" dirty="0" smtClean="0"/>
+              <a:t>Tasa de aciertos</a:t>
+            </a:r>
+          </a:p>
+          <a:p>
+            <a:r>
+              <a:rPr lang="es-ES" dirty="0" smtClean="0"/>
+              <a:t>Tiempo de ejecución</a:t>
+            </a:r>
+          </a:p>
+          <a:p>
+            <a:r>
+              <a:rPr lang="es-ES" dirty="0"/>
+              <a:t>Tiempo de </a:t>
+            </a:r>
+            <a:r>
+              <a:rPr lang="es-ES" dirty="0" smtClean="0"/>
+              <a:t>clasificación</a:t>
+            </a:r>
+          </a:p>
+          <a:p>
+            <a:endParaRPr lang="es-ES" dirty="0"/>
+          </a:p>
+        </p:txBody>
+      </p:sp>
+    </p:spTree>
+    <p:extLst>
+      <p:ext uri="{BB962C8B-B14F-4D97-AF65-F5344CB8AC3E}">
+        <p14:creationId xmlns:p14="http://schemas.microsoft.com/office/powerpoint/2010/main" val="4124918301"/>
+      </p:ext>
+    </p:extLst>
+  </p:cSld>
+  <p:clrMapOvr>
+    <a:masterClrMapping/>
+  </p:clrMapOvr>
+</p:sld>
+</file>
+
+<file path=ppt/slides/slide12.xml><?xml version="1.0" encoding="utf-8"?>
+<p:sld xmlns:a="http://schemas.openxmlformats.org/drawingml/2006/main" xmlns:r="http://schemas.openxmlformats.org/officeDocument/2006/relationships" xmlns:p="http://schemas.openxmlformats.org/presentationml/2006/main">
+  <p:cSld>
+    <p:spTree>
+      <p:nvGrpSpPr>
+        <p:cNvPr id="1" name=""/>
+        <p:cNvGrpSpPr/>
+        <p:nvPr/>
+      </p:nvGrpSpPr>
+      <p:grpSpPr>
+        <a:xfrm>
+          <a:off x="0" y="0"/>
+          <a:ext cx="0" cy="0"/>
+          <a:chOff x="0" y="0"/>
+          <a:chExt cx="0" cy="0"/>
+        </a:xfrm>
+      </p:grpSpPr>
+      <p:sp>
+        <p:nvSpPr>
           <p:cNvPr id="2" name="Título 1">
             <a:extLst>
               <a:ext uri="{FF2B5EF4-FFF2-40B4-BE49-F238E27FC236}">
@@ -8147,9 +8248,10 @@
           <a:lstStyle/>
           <a:p>
             <a:r>
-              <a:rPr lang="es-ES" dirty="0"/>
-              <a:t>Número de atributos vs Tasa de acierto</a:t>
-            </a:r>
+              <a:rPr lang="es-ES" dirty="0" smtClean="0"/>
+              <a:t>Tasa de aciertos</a:t>
+            </a:r>
+            <a:endParaRPr lang="es-ES" dirty="0"/>
           </a:p>
         </p:txBody>
       </p:sp>
@@ -8182,8 +8284,8 @@
         </p:blipFill>
         <p:spPr bwMode="auto">
           <a:xfrm>
-            <a:off x="2905393" y="1353100"/>
-            <a:ext cx="8286750" cy="2409826"/>
+            <a:off x="1165602" y="1416895"/>
+            <a:ext cx="10118313" cy="2942453"/>
           </a:xfrm>
           <a:prstGeom prst="rect">
             <a:avLst/>
@@ -8218,7 +8320,7 @@
         </p:nvSpPr>
         <p:spPr>
           <a:xfrm>
-            <a:off x="901208" y="4073665"/>
+            <a:off x="1165602" y="5051861"/>
             <a:ext cx="10389584" cy="2286000"/>
           </a:xfrm>
         </p:spPr>
@@ -8233,12 +8335,20 @@
               <a:t>SVC alcanza su </a:t>
             </a:r>
             <a:r>
-              <a:rPr lang="es-ES" dirty="0" err="1"/>
-              <a:t>máximocon</a:t>
+              <a:rPr lang="es-ES" dirty="0" smtClean="0"/>
+              <a:t>máximo con </a:t>
             </a:r>
             <a:r>
               <a:rPr lang="es-ES" dirty="0"/>
-              <a:t> imágenes de tamaño 100x50 falla al aumentar el tamaño de las imágenes.</a:t>
+              <a:t>imágenes de tamaño </a:t>
+            </a:r>
+            <a:r>
+              <a:rPr lang="es-ES" dirty="0" smtClean="0"/>
+              <a:t>100x50 y </a:t>
+            </a:r>
+            <a:r>
+              <a:rPr lang="es-ES" dirty="0"/>
+              <a:t>falla al aumentar el tamaño de las imágenes.</a:t>
             </a:r>
           </a:p>
           <a:p>
@@ -8269,7 +8379,7 @@
 </p:sld>
 </file>
 
-<file path=ppt/slides/slide12.xml><?xml version="1.0" encoding="utf-8"?>
+<file path=ppt/slides/slide13.xml><?xml version="1.0" encoding="utf-8"?>
 <p:sld xmlns:a="http://schemas.openxmlformats.org/drawingml/2006/main" xmlns:r="http://schemas.openxmlformats.org/officeDocument/2006/relationships" xmlns:p="http://schemas.openxmlformats.org/presentationml/2006/main">
   <p:cSld>
     <p:spTree>
@@ -8329,12 +8439,16 @@
               <a:t>Random</a:t>
             </a:r>
             <a:r>
-              <a:rPr lang="es-ES"/>
-              <a:t> Forest </a:t>
-            </a:r>
-            <a:r>
               <a:rPr lang="es-ES" dirty="0"/>
-              <a:t>es el más eficiente</a:t>
+              <a:t> </a:t>
+            </a:r>
+            <a:r>
+              <a:rPr lang="es-ES" dirty="0" err="1"/>
+              <a:t>Forest</a:t>
+            </a:r>
+            <a:r>
+              <a:rPr lang="es-ES" dirty="0"/>
+              <a:t> es el más eficiente</a:t>
             </a:r>
           </a:p>
         </p:txBody>
@@ -8366,9 +8480,10 @@
           <a:lstStyle/>
           <a:p>
             <a:r>
-              <a:rPr lang="es-ES" dirty="0"/>
-              <a:t>Tiempo vs Tasa de acierto</a:t>
-            </a:r>
+              <a:rPr lang="es-ES" dirty="0" smtClean="0"/>
+              <a:t>Tiempo de ejecución</a:t>
+            </a:r>
+            <a:endParaRPr lang="es-ES" dirty="0"/>
           </a:p>
         </p:txBody>
       </p:sp>
@@ -8432,7 +8547,7 @@
 </p:sld>
 </file>
 
-<file path=ppt/slides/slide13.xml><?xml version="1.0" encoding="utf-8"?>
+<file path=ppt/slides/slide14.xml><?xml version="1.0" encoding="utf-8"?>
 <p:sld xmlns:a="http://schemas.openxmlformats.org/drawingml/2006/main" xmlns:r="http://schemas.openxmlformats.org/officeDocument/2006/relationships" xmlns:p="http://schemas.openxmlformats.org/presentationml/2006/main">
   <p:cSld>
     <p:spTree>
@@ -8516,8 +8631,16 @@
               <a:t>En limitaciones de tiempo siempre escogeremos </a:t>
             </a:r>
             <a:r>
-              <a:rPr lang="es-ES" dirty="0" err="1"/>
-              <a:t>RandomForest</a:t>
+              <a:rPr lang="es-ES" dirty="0" err="1" smtClean="0"/>
+              <a:t>Random</a:t>
+            </a:r>
+            <a:r>
+              <a:rPr lang="es-ES" dirty="0" smtClean="0"/>
+              <a:t> </a:t>
+            </a:r>
+            <a:r>
+              <a:rPr lang="es-ES" dirty="0" err="1" smtClean="0"/>
+              <a:t>Forest</a:t>
             </a:r>
             <a:endParaRPr lang="es-ES" dirty="0"/>
           </a:p>
@@ -8551,8 +8674,8 @@
         </p:blipFill>
         <p:spPr>
           <a:xfrm>
-            <a:off x="3895837" y="1414369"/>
-            <a:ext cx="4400325" cy="3300243"/>
+            <a:off x="3423684" y="1264555"/>
+            <a:ext cx="5074497" cy="3805872"/>
           </a:xfrm>
           <a:prstGeom prst="rect">
             <a:avLst/>
@@ -8572,7 +8695,7 @@
 </p:sld>
 </file>
 
-<file path=ppt/slides/slide14.xml><?xml version="1.0" encoding="utf-8"?>
+<file path=ppt/slides/slide15.xml><?xml version="1.0" encoding="utf-8"?>
 <p:sld xmlns:a="http://schemas.openxmlformats.org/drawingml/2006/main" xmlns:r="http://schemas.openxmlformats.org/officeDocument/2006/relationships" xmlns:p="http://schemas.openxmlformats.org/presentationml/2006/main">
   <p:cSld>
     <p:spTree>
@@ -8951,7 +9074,7 @@
           <p:nvPr/>
         </p:nvPicPr>
         <p:blipFill>
-          <a:blip r:embed="rId2">
+          <a:blip r:embed="rId2" cstate="hqprint">
             <a:extLst>
               <a:ext uri="{28A0092B-C50C-407E-A947-70E740481C1C}">
                 <a14:useLocalDpi xmlns:a14="http://schemas.microsoft.com/office/drawing/2010/main" val="0"/>
@@ -9693,6 +9816,51 @@
           </a:prstGeom>
         </p:spPr>
       </p:pic>
+      <p:sp>
+        <p:nvSpPr>
+          <p:cNvPr id="3" name="Rectángulo 2"/>
+          <p:cNvSpPr/>
+          <p:nvPr/>
+        </p:nvSpPr>
+        <p:spPr>
+          <a:xfrm>
+            <a:off x="3328143" y="5680593"/>
+            <a:ext cx="6096000" cy="646331"/>
+          </a:xfrm>
+          <a:prstGeom prst="rect">
+            <a:avLst/>
+          </a:prstGeom>
+        </p:spPr>
+        <p:txBody>
+          <a:bodyPr>
+            <a:spAutoFit/>
+          </a:bodyPr>
+          <a:lstStyle/>
+          <a:p>
+            <a:r>
+              <a:rPr lang="es-ES" dirty="0"/>
+              <a:t>En un principio </a:t>
+            </a:r>
+            <a:r>
+              <a:rPr lang="es-ES" dirty="0" smtClean="0"/>
+              <a:t>tenemos 1320 </a:t>
+            </a:r>
+            <a:r>
+              <a:rPr lang="es-ES" dirty="0"/>
+              <a:t>imágenes de tamaño </a:t>
+            </a:r>
+            <a:r>
+              <a:rPr lang="es-ES" dirty="0" smtClean="0"/>
+              <a:t>150x206 = 30.900 </a:t>
+            </a:r>
+            <a:r>
+              <a:rPr lang="es-ES" dirty="0"/>
+              <a:t>atributos.</a:t>
+            </a:r>
+            <a:endParaRPr lang="es-ES" dirty="0"/>
+          </a:p>
+        </p:txBody>
+      </p:sp>
     </p:spTree>
     <p:extLst>
       <p:ext uri="{BB962C8B-B14F-4D97-AF65-F5344CB8AC3E}">
@@ -9741,7 +9909,7 @@
         </p:nvSpPr>
         <p:spPr>
           <a:xfrm>
-            <a:off x="2592925" y="624110"/>
+            <a:off x="2558328" y="614610"/>
             <a:ext cx="8911687" cy="659406"/>
           </a:xfrm>
         </p:spPr>
@@ -9774,7 +9942,7 @@
         </p:nvSpPr>
         <p:spPr>
           <a:xfrm>
-            <a:off x="2589212" y="1493240"/>
+            <a:off x="772438" y="1487473"/>
             <a:ext cx="8915400" cy="1283516"/>
           </a:xfrm>
         </p:spPr>
@@ -9783,14 +9951,12 @@
           <a:lstStyle/>
           <a:p>
             <a:r>
+              <a:rPr lang="es-ES" dirty="0" smtClean="0"/>
+              <a:t>Necesidad </a:t>
+            </a:r>
+            <a:r>
               <a:rPr lang="es-ES" dirty="0"/>
-              <a:t>En un principio tenemos imágenes de tamaño 150x206.</a:t>
-            </a:r>
-          </a:p>
-          <a:p>
-            <a:r>
-              <a:rPr lang="es-ES" dirty="0"/>
-              <a:t>Necesidad de reducir el espacio de atributos.</a:t>
+              <a:t>de reducir el espacio de atributos.</a:t>
             </a:r>
           </a:p>
           <a:p>
@@ -9818,8 +9984,8 @@
         </p:nvSpPr>
         <p:spPr>
           <a:xfrm>
-            <a:off x="1297308" y="2855021"/>
-            <a:ext cx="4507874" cy="923330"/>
+            <a:off x="1155209" y="2363845"/>
+            <a:ext cx="5043571" cy="923330"/>
           </a:xfrm>
           <a:prstGeom prst="rect">
             <a:avLst/>
@@ -9834,8 +10000,21 @@
           <a:p>
             <a:r>
               <a:rPr lang="es-ES" dirty="0"/>
-              <a:t>Reducimos el espacio de atributos recortando las zonas blancas dado que no aportan información.</a:t>
-            </a:r>
+              <a:t>Reducimos el </a:t>
+            </a:r>
+            <a:r>
+              <a:rPr lang="es-ES" dirty="0" smtClean="0"/>
+              <a:t>número </a:t>
+            </a:r>
+            <a:r>
+              <a:rPr lang="es-ES" dirty="0"/>
+              <a:t>de atributos recortando las zonas blancas dado que no aportan </a:t>
+            </a:r>
+            <a:r>
+              <a:rPr lang="es-ES" dirty="0" smtClean="0"/>
+              <a:t>información relevante.</a:t>
+            </a:r>
+            <a:endParaRPr lang="es-ES" dirty="0"/>
           </a:p>
         </p:txBody>
       </p:sp>
@@ -9867,7 +10046,7 @@
         </p:blipFill>
         <p:spPr>
           <a:xfrm>
-            <a:off x="3811433" y="3856616"/>
+            <a:off x="9454864" y="1933012"/>
             <a:ext cx="1381318" cy="1600423"/>
           </a:xfrm>
           <a:prstGeom prst="rect">
@@ -9903,7 +10082,7 @@
         </p:blipFill>
         <p:spPr>
           <a:xfrm>
-            <a:off x="1142663" y="3856616"/>
+            <a:off x="6766493" y="1933012"/>
             <a:ext cx="1189503" cy="1600423"/>
           </a:xfrm>
           <a:prstGeom prst="rect">
@@ -9925,7 +10104,7 @@
         </p:nvSpPr>
         <p:spPr>
           <a:xfrm>
-            <a:off x="2589212" y="4454554"/>
+            <a:off x="8221982" y="2586415"/>
             <a:ext cx="1026443" cy="293615"/>
           </a:xfrm>
           <a:prstGeom prst="rightArrow">
@@ -9971,8 +10150,8 @@
         </p:nvSpPr>
         <p:spPr>
           <a:xfrm>
-            <a:off x="6333688" y="2855021"/>
-            <a:ext cx="3741490" cy="923330"/>
+            <a:off x="1155211" y="3474930"/>
+            <a:ext cx="5051161" cy="923330"/>
           </a:xfrm>
           <a:prstGeom prst="rect">
             <a:avLst/>
@@ -9986,9 +10165,10 @@
           <a:lstStyle/>
           <a:p>
             <a:r>
-              <a:rPr lang="es-ES" dirty="0"/>
-              <a:t>También reducimos el número de atributos interpolando la imagen.</a:t>
-            </a:r>
+              <a:rPr lang="es-ES" dirty="0" smtClean="0"/>
+              <a:t>También, para mantener el mismo tamaño en todas las imágenes, interpolamos a un tamaño deseado.</a:t>
+            </a:r>
+            <a:endParaRPr lang="es-ES" dirty="0"/>
           </a:p>
         </p:txBody>
       </p:sp>
@@ -10020,7 +10200,7 @@
         </p:blipFill>
         <p:spPr>
           <a:xfrm>
-            <a:off x="5805182" y="4009016"/>
+            <a:off x="6760274" y="3997203"/>
             <a:ext cx="1189503" cy="1600423"/>
           </a:xfrm>
           <a:prstGeom prst="rect">
@@ -10135,6 +10315,19 @@
               </a:rPr>
               <a:t>      </a:t>
             </a:r>
+            <a:r>
+              <a:rPr kumimoji="0" lang="es-ES" altLang="es-ES" sz="1800" b="0" i="0" u="none" strike="noStrike" cap="none" normalizeH="0" baseline="0" dirty="0">
+                <a:ln>
+                  <a:noFill/>
+                </a:ln>
+                <a:solidFill>
+                  <a:schemeClr val="tx1"/>
+                </a:solidFill>
+                <a:effectLst/>
+                <a:latin typeface="Arial" panose="020B0604020202020204" pitchFamily="34" charset="0"/>
+              </a:rPr>
+              <a:t/>
+            </a:r>
             <a:br>
               <a:rPr kumimoji="0" lang="es-ES" altLang="es-ES" sz="1800" b="0" i="0" u="none" strike="noStrike" cap="none" normalizeH="0" baseline="0" dirty="0">
                 <a:ln>
@@ -10189,7 +10382,7 @@
         </p:blipFill>
         <p:spPr bwMode="auto">
           <a:xfrm>
-            <a:off x="8356601" y="3947957"/>
+            <a:off x="9268868" y="3997201"/>
             <a:ext cx="1886532" cy="1600423"/>
           </a:xfrm>
           <a:prstGeom prst="rect">
@@ -10221,7 +10414,7 @@
         </p:nvSpPr>
         <p:spPr>
           <a:xfrm>
-            <a:off x="7112996" y="4454554"/>
+            <a:off x="8044433" y="4650606"/>
             <a:ext cx="1026443" cy="293615"/>
           </a:xfrm>
           <a:prstGeom prst="rightArrow">
@@ -10250,6 +10443,47 @@
           <a:p>
             <a:pPr algn="ctr"/>
             <a:endParaRPr lang="es-ES"/>
+          </a:p>
+        </p:txBody>
+      </p:sp>
+      <p:sp>
+        <p:nvSpPr>
+          <p:cNvPr id="5" name="Rectángulo 4"/>
+          <p:cNvSpPr/>
+          <p:nvPr/>
+        </p:nvSpPr>
+        <p:spPr>
+          <a:xfrm>
+            <a:off x="1155211" y="4616755"/>
+            <a:ext cx="5043569" cy="1200329"/>
+          </a:xfrm>
+          <a:prstGeom prst="rect">
+            <a:avLst/>
+          </a:prstGeom>
+        </p:spPr>
+        <p:txBody>
+          <a:bodyPr wrap="square">
+            <a:spAutoFit/>
+          </a:bodyPr>
+          <a:lstStyle/>
+          <a:p>
+            <a:r>
+              <a:rPr lang="es-ES" dirty="0"/>
+              <a:t>Al reducir el número de atributos y eliminar aquellos que </a:t>
+            </a:r>
+            <a:r>
+              <a:rPr lang="es-ES" dirty="0" smtClean="0"/>
+              <a:t>no </a:t>
+            </a:r>
+            <a:r>
+              <a:rPr lang="es-ES" dirty="0"/>
+              <a:t>nos aportan información esperamos mejorar la eficiencia de nuestros </a:t>
+            </a:r>
+            <a:r>
+              <a:rPr lang="es-ES" dirty="0" smtClean="0"/>
+              <a:t>clasificadores.</a:t>
+            </a:r>
+            <a:endParaRPr lang="es-ES" dirty="0"/>
           </a:p>
         </p:txBody>
       </p:sp>
@@ -10288,145 +10522,6 @@
           <p:cNvPr id="2" name="Título 1">
             <a:extLst>
               <a:ext uri="{FF2B5EF4-FFF2-40B4-BE49-F238E27FC236}">
-                <a16:creationId xmlns:a16="http://schemas.microsoft.com/office/drawing/2014/main" id="{318A8528-E77E-43F8-9E6B-D5528594BC20}"/>
-              </a:ext>
-            </a:extLst>
-          </p:cNvPr>
-          <p:cNvSpPr>
-            <a:spLocks noGrp="1"/>
-          </p:cNvSpPr>
-          <p:nvPr>
-            <p:ph type="title"/>
-          </p:nvPr>
-        </p:nvSpPr>
-        <p:spPr>
-          <a:xfrm>
-            <a:off x="2592925" y="624110"/>
-            <a:ext cx="8911687" cy="734907"/>
-          </a:xfrm>
-        </p:spPr>
-        <p:txBody>
-          <a:bodyPr/>
-          <a:lstStyle/>
-          <a:p>
-            <a:r>
-              <a:rPr lang="es-ES" dirty="0"/>
-              <a:t>Entrenamiento</a:t>
-            </a:r>
-          </a:p>
-        </p:txBody>
-      </p:sp>
-      <p:sp>
-        <p:nvSpPr>
-          <p:cNvPr id="3" name="Marcador de contenido 2">
-            <a:extLst>
-              <a:ext uri="{FF2B5EF4-FFF2-40B4-BE49-F238E27FC236}">
-                <a16:creationId xmlns:a16="http://schemas.microsoft.com/office/drawing/2014/main" id="{4395C1F0-A64C-455F-B620-27574C8C771E}"/>
-              </a:ext>
-            </a:extLst>
-          </p:cNvPr>
-          <p:cNvSpPr>
-            <a:spLocks noGrp="1"/>
-          </p:cNvSpPr>
-          <p:nvPr>
-            <p:ph idx="1"/>
-          </p:nvPr>
-        </p:nvSpPr>
-        <p:spPr>
-          <a:xfrm>
-            <a:off x="2589212" y="1518407"/>
-            <a:ext cx="8915400" cy="4392815"/>
-          </a:xfrm>
-        </p:spPr>
-        <p:txBody>
-          <a:bodyPr/>
-          <a:lstStyle/>
-          <a:p>
-            <a:r>
-              <a:rPr lang="es-ES" dirty="0"/>
-              <a:t>Para el entrenamiento usaremos el 50% de los datos</a:t>
-            </a:r>
-          </a:p>
-          <a:p>
-            <a:pPr lvl="1"/>
-            <a:r>
-              <a:rPr lang="es-ES" dirty="0" err="1"/>
-              <a:t>RandomForest</a:t>
-            </a:r>
-            <a:endParaRPr lang="es-ES" dirty="0"/>
-          </a:p>
-          <a:p>
-            <a:pPr lvl="2"/>
-            <a:r>
-              <a:rPr lang="es-ES" dirty="0"/>
-              <a:t>Crea los árboles de decisión que decidirán por voto a que clase pertenece un ejemplo en la clasificación.</a:t>
-            </a:r>
-          </a:p>
-          <a:p>
-            <a:pPr lvl="1"/>
-            <a:r>
-              <a:rPr lang="es-ES" dirty="0"/>
-              <a:t>SCV</a:t>
-            </a:r>
-          </a:p>
-          <a:p>
-            <a:pPr lvl="2"/>
-            <a:r>
-              <a:rPr lang="es-ES" dirty="0"/>
-              <a:t>Es un clasificador lineal, por ello calcula el vector de pesos de cada clase.</a:t>
-            </a:r>
-          </a:p>
-          <a:p>
-            <a:pPr lvl="1"/>
-            <a:r>
-              <a:rPr lang="es-ES" dirty="0"/>
-              <a:t>KNN</a:t>
-            </a:r>
-          </a:p>
-          <a:p>
-            <a:pPr lvl="2"/>
-            <a:r>
-              <a:rPr lang="es-ES" dirty="0"/>
-              <a:t>Simplemente almacena los datos para después calcular las distancias a un ejemplo.</a:t>
-            </a:r>
-          </a:p>
-        </p:txBody>
-      </p:sp>
-    </p:spTree>
-    <p:extLst>
-      <p:ext uri="{BB962C8B-B14F-4D97-AF65-F5344CB8AC3E}">
-        <p14:creationId xmlns:p14="http://schemas.microsoft.com/office/powerpoint/2010/main" val="2752971046"/>
-      </p:ext>
-    </p:extLst>
-  </p:cSld>
-  <p:clrMapOvr>
-    <a:masterClrMapping/>
-  </p:clrMapOvr>
-</p:sld>
-</file>
-
-<file path=ppt/slides/slide7.xml><?xml version="1.0" encoding="utf-8"?>
-<p:sld xmlns:a="http://schemas.openxmlformats.org/drawingml/2006/main" xmlns:r="http://schemas.openxmlformats.org/officeDocument/2006/relationships" xmlns:p="http://schemas.openxmlformats.org/presentationml/2006/main">
-  <p:cSld>
-    <p:spTree>
-      <p:nvGrpSpPr>
-        <p:cNvPr id="1" name=""/>
-        <p:cNvGrpSpPr/>
-        <p:nvPr/>
-      </p:nvGrpSpPr>
-      <p:grpSpPr>
-        <a:xfrm>
-          <a:off x="0" y="0"/>
-          <a:ext cx="0" cy="0"/>
-          <a:chOff x="0" y="0"/>
-          <a:chExt cx="0" cy="0"/>
-        </a:xfrm>
-      </p:grpSpPr>
-      <p:sp>
-        <p:nvSpPr>
-          <p:cNvPr id="2" name="Título 1">
-            <a:extLst>
-              <a:ext uri="{FF2B5EF4-FFF2-40B4-BE49-F238E27FC236}">
                 <a16:creationId xmlns:a16="http://schemas.microsoft.com/office/drawing/2014/main" id="{56934D75-DD80-4D25-BD5A-B2111D5B504D}"/>
               </a:ext>
             </a:extLst>
@@ -10483,7 +10578,7 @@
         </p:blipFill>
         <p:spPr>
           <a:xfrm>
-            <a:off x="932853" y="3592160"/>
+            <a:off x="726946" y="1784625"/>
             <a:ext cx="3320143" cy="2641730"/>
           </a:xfrm>
           <a:prstGeom prst="rect">
@@ -10520,7 +10615,7 @@
         </p:blipFill>
         <p:spPr bwMode="auto">
           <a:xfrm>
-            <a:off x="7885372" y="3509608"/>
+            <a:off x="8453299" y="3528027"/>
             <a:ext cx="3632376" cy="2724282"/>
           </a:xfrm>
           <a:prstGeom prst="rect">
@@ -10567,7 +10662,7 @@
         </p:blipFill>
         <p:spPr bwMode="auto">
           <a:xfrm>
-            <a:off x="4252996" y="1221081"/>
+            <a:off x="4574617" y="2507301"/>
             <a:ext cx="3632376" cy="2727129"/>
           </a:xfrm>
           <a:prstGeom prst="rect">
@@ -10589,6 +10684,162 @@
     <p:extLst>
       <p:ext uri="{BB962C8B-B14F-4D97-AF65-F5344CB8AC3E}">
         <p14:creationId xmlns:p14="http://schemas.microsoft.com/office/powerpoint/2010/main" val="4123131389"/>
+      </p:ext>
+    </p:extLst>
+  </p:cSld>
+  <p:clrMapOvr>
+    <a:masterClrMapping/>
+  </p:clrMapOvr>
+</p:sld>
+</file>
+
+<file path=ppt/slides/slide7.xml><?xml version="1.0" encoding="utf-8"?>
+<p:sld xmlns:a="http://schemas.openxmlformats.org/drawingml/2006/main" xmlns:r="http://schemas.openxmlformats.org/officeDocument/2006/relationships" xmlns:p="http://schemas.openxmlformats.org/presentationml/2006/main">
+  <p:cSld>
+    <p:spTree>
+      <p:nvGrpSpPr>
+        <p:cNvPr id="1" name=""/>
+        <p:cNvGrpSpPr/>
+        <p:nvPr/>
+      </p:nvGrpSpPr>
+      <p:grpSpPr>
+        <a:xfrm>
+          <a:off x="0" y="0"/>
+          <a:ext cx="0" cy="0"/>
+          <a:chOff x="0" y="0"/>
+          <a:chExt cx="0" cy="0"/>
+        </a:xfrm>
+      </p:grpSpPr>
+      <p:sp>
+        <p:nvSpPr>
+          <p:cNvPr id="2" name="Título 1">
+            <a:extLst>
+              <a:ext uri="{FF2B5EF4-FFF2-40B4-BE49-F238E27FC236}">
+                <a16:creationId xmlns:a16="http://schemas.microsoft.com/office/drawing/2014/main" id="{318A8528-E77E-43F8-9E6B-D5528594BC20}"/>
+              </a:ext>
+            </a:extLst>
+          </p:cNvPr>
+          <p:cNvSpPr>
+            <a:spLocks noGrp="1"/>
+          </p:cNvSpPr>
+          <p:nvPr>
+            <p:ph type="title"/>
+          </p:nvPr>
+        </p:nvSpPr>
+        <p:spPr>
+          <a:xfrm>
+            <a:off x="2592925" y="624110"/>
+            <a:ext cx="8911687" cy="734907"/>
+          </a:xfrm>
+        </p:spPr>
+        <p:txBody>
+          <a:bodyPr/>
+          <a:lstStyle/>
+          <a:p>
+            <a:r>
+              <a:rPr lang="es-ES" dirty="0" smtClean="0"/>
+              <a:t>Pruebas</a:t>
+            </a:r>
+            <a:endParaRPr lang="es-ES" dirty="0"/>
+          </a:p>
+        </p:txBody>
+      </p:sp>
+      <p:sp>
+        <p:nvSpPr>
+          <p:cNvPr id="3" name="Marcador de contenido 2">
+            <a:extLst>
+              <a:ext uri="{FF2B5EF4-FFF2-40B4-BE49-F238E27FC236}">
+                <a16:creationId xmlns:a16="http://schemas.microsoft.com/office/drawing/2014/main" id="{4395C1F0-A64C-455F-B620-27574C8C771E}"/>
+              </a:ext>
+            </a:extLst>
+          </p:cNvPr>
+          <p:cNvSpPr>
+            <a:spLocks noGrp="1"/>
+          </p:cNvSpPr>
+          <p:nvPr>
+            <p:ph idx="1"/>
+          </p:nvPr>
+        </p:nvSpPr>
+        <p:spPr>
+          <a:xfrm>
+            <a:off x="2589212" y="1518407"/>
+            <a:ext cx="8915400" cy="4392815"/>
+          </a:xfrm>
+        </p:spPr>
+        <p:txBody>
+          <a:bodyPr/>
+          <a:lstStyle/>
+          <a:p>
+            <a:r>
+              <a:rPr lang="es-ES" dirty="0"/>
+              <a:t>Para el entrenamiento </a:t>
+            </a:r>
+            <a:r>
+              <a:rPr lang="es-ES" dirty="0" smtClean="0"/>
+              <a:t>usamos </a:t>
+            </a:r>
+            <a:r>
+              <a:rPr lang="es-ES" dirty="0"/>
+              <a:t>el 50% de los datos</a:t>
+            </a:r>
+          </a:p>
+          <a:p>
+            <a:pPr lvl="1"/>
+            <a:r>
+              <a:rPr lang="es-ES" dirty="0" err="1"/>
+              <a:t>RandomForest</a:t>
+            </a:r>
+            <a:endParaRPr lang="es-ES" dirty="0"/>
+          </a:p>
+          <a:p>
+            <a:pPr lvl="2"/>
+            <a:r>
+              <a:rPr lang="es-ES" dirty="0"/>
+              <a:t>Crea los árboles de decisión que </a:t>
+            </a:r>
+            <a:r>
+              <a:rPr lang="es-ES" dirty="0" smtClean="0"/>
+              <a:t>elegirán </a:t>
+            </a:r>
+            <a:r>
+              <a:rPr lang="es-ES" dirty="0"/>
+              <a:t>por voto a que clase pertenece un ejemplo en la clasificación.</a:t>
+            </a:r>
+          </a:p>
+          <a:p>
+            <a:pPr lvl="1"/>
+            <a:r>
+              <a:rPr lang="es-ES" dirty="0"/>
+              <a:t>SCV</a:t>
+            </a:r>
+          </a:p>
+          <a:p>
+            <a:pPr lvl="2"/>
+            <a:r>
+              <a:rPr lang="es-ES" dirty="0"/>
+              <a:t>Es un clasificador lineal, por ello calcula el vector de pesos de cada clase.</a:t>
+            </a:r>
+          </a:p>
+          <a:p>
+            <a:pPr lvl="1"/>
+            <a:r>
+              <a:rPr lang="es-ES" dirty="0"/>
+              <a:t>KNN</a:t>
+            </a:r>
+          </a:p>
+          <a:p>
+            <a:pPr lvl="2"/>
+            <a:r>
+              <a:rPr lang="es-ES" dirty="0"/>
+              <a:t>Simplemente almacena los datos para después calcular las distancias a un ejemplo.</a:t>
+            </a:r>
+          </a:p>
+        </p:txBody>
+      </p:sp>
+    </p:spTree>
+    <p:extLst>
+      <p:ext uri="{BB962C8B-B14F-4D97-AF65-F5344CB8AC3E}">
+        <p14:creationId xmlns:p14="http://schemas.microsoft.com/office/powerpoint/2010/main" val="2752971046"/>
       </p:ext>
     </p:extLst>
   </p:cSld>
@@ -10676,13 +10927,14 @@
         </p:spPr>
         <p:txBody>
           <a:bodyPr>
-            <a:normAutofit fontScale="77500" lnSpcReduction="20000"/>
+            <a:normAutofit/>
           </a:bodyPr>
           <a:lstStyle/>
           <a:p>
-            <a:r>
-              <a:rPr lang="es-ES" dirty="0" err="1"/>
-              <a:t>Scikit-learn</a:t>
+            <a:pPr lvl="1"/>
+            <a:r>
+              <a:rPr lang="es-ES" dirty="0" smtClean="0"/>
+              <a:t>Parámetros</a:t>
             </a:r>
             <a:r>
               <a:rPr lang="es-ES" dirty="0"/>
@@ -10690,13 +10942,6 @@
             </a:r>
           </a:p>
           <a:p>
-            <a:pPr lvl="1"/>
-            <a:r>
-              <a:rPr lang="es-ES" dirty="0"/>
-              <a:t>Parámetros:</a:t>
-            </a:r>
-          </a:p>
-          <a:p>
             <a:pPr lvl="2"/>
             <a:r>
               <a:rPr lang="es-ES" dirty="0"/>
@@ -10711,32 +10956,34 @@
             </a:r>
           </a:p>
           <a:p>
+            <a:pPr lvl="1"/>
+            <a:r>
+              <a:rPr lang="es-ES" dirty="0" smtClean="0"/>
+              <a:t>Atributos</a:t>
+            </a:r>
+            <a:r>
+              <a:rPr lang="es-ES" dirty="0"/>
+              <a:t>:</a:t>
+            </a:r>
+          </a:p>
+          <a:p>
             <a:pPr lvl="2"/>
             <a:r>
-              <a:rPr lang="es-ES" dirty="0"/>
+              <a:rPr lang="es-ES" dirty="0" smtClean="0"/>
+              <a:t>Imágenes de tamaño 9x4</a:t>
+            </a:r>
+            <a:endParaRPr lang="es-ES" dirty="0" smtClean="0"/>
+          </a:p>
+          <a:p>
+            <a:pPr lvl="1"/>
+            <a:r>
+              <a:rPr lang="es-ES" dirty="0" smtClean="0"/>
               <a:t>Tasa de acierto: 92.57%</a:t>
             </a:r>
           </a:p>
           <a:p>
-            <a:pPr lvl="1"/>
-            <a:r>
-              <a:rPr lang="es-ES" dirty="0"/>
-              <a:t>Atributos:</a:t>
-            </a:r>
-          </a:p>
-          <a:p>
             <a:pPr lvl="2"/>
-            <a:r>
-              <a:rPr lang="es-ES" dirty="0"/>
-              <a:t>Interpolados</a:t>
-            </a:r>
-          </a:p>
-          <a:p>
-            <a:pPr lvl="2"/>
-            <a:r>
-              <a:rPr lang="es-ES" dirty="0"/>
-              <a:t>Eliminación de columnas y filas poco significativas</a:t>
-            </a:r>
+            <a:endParaRPr lang="es-ES" dirty="0"/>
           </a:p>
           <a:p>
             <a:pPr lvl="2"/>
@@ -10997,9 +11244,10 @@
           <a:bodyPr/>
           <a:lstStyle/>
           <a:p>
-            <a:r>
-              <a:rPr lang="es-ES" dirty="0" err="1"/>
-              <a:t>Scikit-learn</a:t>
+            <a:pPr lvl="1"/>
+            <a:r>
+              <a:rPr lang="es-ES" dirty="0" smtClean="0"/>
+              <a:t>Parámetros</a:t>
             </a:r>
             <a:r>
               <a:rPr lang="es-ES" dirty="0"/>
@@ -11007,13 +11255,6 @@
             </a:r>
           </a:p>
           <a:p>
-            <a:pPr lvl="1"/>
-            <a:r>
-              <a:rPr lang="es-ES" dirty="0"/>
-              <a:t>Parámetros:</a:t>
-            </a:r>
-          </a:p>
-          <a:p>
             <a:pPr lvl="2"/>
             <a:r>
               <a:rPr lang="es-ES" dirty="0"/>
@@ -11021,25 +11262,37 @@
             </a:r>
           </a:p>
           <a:p>
+            <a:pPr lvl="1"/>
+            <a:r>
+              <a:rPr lang="es-ES" dirty="0" smtClean="0"/>
+              <a:t>Atributos</a:t>
+            </a:r>
+            <a:r>
+              <a:rPr lang="es-ES" dirty="0"/>
+              <a:t>:</a:t>
+            </a:r>
+          </a:p>
+          <a:p>
             <a:pPr lvl="2"/>
+            <a:r>
+              <a:rPr lang="es-ES" dirty="0"/>
+              <a:t>Eliminación de columnas y filas poco </a:t>
+            </a:r>
+            <a:r>
+              <a:rPr lang="es-ES" dirty="0" smtClean="0"/>
+              <a:t>significativas</a:t>
+            </a:r>
+          </a:p>
+          <a:p>
+            <a:pPr lvl="1"/>
             <a:r>
               <a:rPr lang="es-ES" dirty="0"/>
               <a:t>Tasa de acierto: 96.21%</a:t>
             </a:r>
           </a:p>
           <a:p>
-            <a:pPr lvl="1"/>
-            <a:r>
-              <a:rPr lang="es-ES" dirty="0"/>
-              <a:t>Atributos:</a:t>
-            </a:r>
-          </a:p>
-          <a:p>
             <a:pPr lvl="2"/>
-            <a:r>
-              <a:rPr lang="es-ES" dirty="0"/>
-              <a:t>Eliminación de columnas y filas poco significativas</a:t>
-            </a:r>
+            <a:endParaRPr lang="es-ES" dirty="0"/>
           </a:p>
         </p:txBody>
       </p:sp>
